--- a/Presentation.pptx
+++ b/Presentation.pptx
@@ -840,7 +840,7 @@
             <a:fld id="{B61BEF0D-F0BB-DE4B-95CE-6DB70DBA9567}" type="datetimeFigureOut">
               <a:rPr lang="en-US" dirty="0"/>
               <a:pPr/>
-              <a:t>9/20/18</a:t>
+              <a:t>10/14/18</a:t>
             </a:fld>
             <a:endParaRPr lang="en-US" dirty="0"/>
           </a:p>
@@ -1088,7 +1088,7 @@
             <a:fld id="{B61BEF0D-F0BB-DE4B-95CE-6DB70DBA9567}" type="datetimeFigureOut">
               <a:rPr lang="en-US" dirty="0"/>
               <a:pPr/>
-              <a:t>9/20/18</a:t>
+              <a:t>10/14/18</a:t>
             </a:fld>
             <a:endParaRPr lang="en-US" dirty="0"/>
           </a:p>
@@ -1399,7 +1399,7 @@
             <a:fld id="{B61BEF0D-F0BB-DE4B-95CE-6DB70DBA9567}" type="datetimeFigureOut">
               <a:rPr lang="en-US" dirty="0"/>
               <a:pPr/>
-              <a:t>9/20/18</a:t>
+              <a:t>10/14/18</a:t>
             </a:fld>
             <a:endParaRPr lang="en-US" dirty="0"/>
           </a:p>
@@ -1737,7 +1737,7 @@
             <a:fld id="{B61BEF0D-F0BB-DE4B-95CE-6DB70DBA9567}" type="datetimeFigureOut">
               <a:rPr lang="en-US" dirty="0"/>
               <a:pPr/>
-              <a:t>9/20/18</a:t>
+              <a:t>10/14/18</a:t>
             </a:fld>
             <a:endParaRPr lang="en-US" dirty="0"/>
           </a:p>
@@ -2048,7 +2048,7 @@
             <a:fld id="{B61BEF0D-F0BB-DE4B-95CE-6DB70DBA9567}" type="datetimeFigureOut">
               <a:rPr lang="en-US" dirty="0"/>
               <a:pPr/>
-              <a:t>9/20/18</a:t>
+              <a:t>10/14/18</a:t>
             </a:fld>
             <a:endParaRPr lang="en-US" dirty="0"/>
           </a:p>
@@ -2438,7 +2438,7 @@
             <a:fld id="{B61BEF0D-F0BB-DE4B-95CE-6DB70DBA9567}" type="datetimeFigureOut">
               <a:rPr lang="en-US" dirty="0"/>
               <a:pPr/>
-              <a:t>9/20/18</a:t>
+              <a:t>10/14/18</a:t>
             </a:fld>
             <a:endParaRPr lang="en-US" dirty="0"/>
           </a:p>
@@ -2604,7 +2604,7 @@
           <a:p>
             <a:fld id="{55C6B4A9-1611-4792-9094-5F34BCA07E0B}" type="datetimeFigureOut">
               <a:rPr lang="en-US" dirty="0"/>
-              <a:t>9/20/18</a:t>
+              <a:t>10/14/18</a:t>
             </a:fld>
             <a:endParaRPr lang="en-US" dirty="0"/>
           </a:p>
@@ -2780,7 +2780,7 @@
             <a:fld id="{B61BEF0D-F0BB-DE4B-95CE-6DB70DBA9567}" type="datetimeFigureOut">
               <a:rPr lang="en-US" dirty="0"/>
               <a:pPr/>
-              <a:t>9/20/18</a:t>
+              <a:t>10/14/18</a:t>
             </a:fld>
             <a:endParaRPr lang="en-US" dirty="0"/>
           </a:p>
@@ -2953,7 +2953,7 @@
             <a:fld id="{B61BEF0D-F0BB-DE4B-95CE-6DB70DBA9567}" type="datetimeFigureOut">
               <a:rPr lang="en-US" dirty="0"/>
               <a:pPr/>
-              <a:t>9/20/18</a:t>
+              <a:t>10/14/18</a:t>
             </a:fld>
             <a:endParaRPr lang="en-US" dirty="0"/>
           </a:p>
@@ -3197,7 +3197,7 @@
             <a:fld id="{B61BEF0D-F0BB-DE4B-95CE-6DB70DBA9567}" type="datetimeFigureOut">
               <a:rPr lang="en-US" dirty="0"/>
               <a:pPr/>
-              <a:t>9/20/18</a:t>
+              <a:t>10/14/18</a:t>
             </a:fld>
             <a:endParaRPr lang="en-US" dirty="0"/>
           </a:p>
@@ -3425,7 +3425,7 @@
           <a:p>
             <a:fld id="{EB712588-04B1-427B-82EE-E8DB90309F08}" type="datetimeFigureOut">
               <a:rPr lang="en-US" dirty="0"/>
-              <a:t>9/20/18</a:t>
+              <a:t>10/14/18</a:t>
             </a:fld>
             <a:endParaRPr lang="en-US" dirty="0"/>
           </a:p>
@@ -3795,7 +3795,7 @@
             <a:fld id="{B61BEF0D-F0BB-DE4B-95CE-6DB70DBA9567}" type="datetimeFigureOut">
               <a:rPr lang="en-US" dirty="0"/>
               <a:pPr/>
-              <a:t>9/20/18</a:t>
+              <a:t>10/14/18</a:t>
             </a:fld>
             <a:endParaRPr lang="en-US" dirty="0"/>
           </a:p>
@@ -3915,7 +3915,7 @@
             <a:fld id="{B61BEF0D-F0BB-DE4B-95CE-6DB70DBA9567}" type="datetimeFigureOut">
               <a:rPr lang="en-US" dirty="0"/>
               <a:pPr/>
-              <a:t>9/20/18</a:t>
+              <a:t>10/14/18</a:t>
             </a:fld>
             <a:endParaRPr lang="en-US" dirty="0"/>
           </a:p>
@@ -4007,7 +4007,7 @@
             <a:fld id="{B61BEF0D-F0BB-DE4B-95CE-6DB70DBA9567}" type="datetimeFigureOut">
               <a:rPr lang="en-US" dirty="0"/>
               <a:pPr/>
-              <a:t>9/20/18</a:t>
+              <a:t>10/14/18</a:t>
             </a:fld>
             <a:endParaRPr lang="en-US" dirty="0"/>
           </a:p>
@@ -4258,7 +4258,7 @@
           <a:p>
             <a:fld id="{42A54C80-263E-416B-A8E0-580EDEADCBDC}" type="datetimeFigureOut">
               <a:rPr lang="en-US" dirty="0"/>
-              <a:t>9/20/18</a:t>
+              <a:t>10/14/18</a:t>
             </a:fld>
             <a:endParaRPr lang="en-US" dirty="0"/>
           </a:p>
@@ -4517,7 +4517,7 @@
             <a:fld id="{B61BEF0D-F0BB-DE4B-95CE-6DB70DBA9567}" type="datetimeFigureOut">
               <a:rPr lang="en-US" dirty="0"/>
               <a:pPr/>
-              <a:t>9/20/18</a:t>
+              <a:t>10/14/18</a:t>
             </a:fld>
             <a:endParaRPr lang="en-US" dirty="0"/>
           </a:p>
@@ -5257,7 +5257,7 @@
             <a:fld id="{B61BEF0D-F0BB-DE4B-95CE-6DB70DBA9567}" type="datetimeFigureOut">
               <a:rPr lang="en-US" dirty="0"/>
               <a:pPr/>
-              <a:t>9/20/18</a:t>
+              <a:t>10/14/18</a:t>
             </a:fld>
             <a:endParaRPr lang="en-US" dirty="0"/>
           </a:p>
@@ -5804,14 +5804,24 @@
           <a:lstStyle/>
           <a:p>
             <a:r>
-              <a:rPr lang="en-US" dirty="0">
+              <a:rPr lang="en-US">
                 <a:solidFill>
                   <a:schemeClr val="accent5">
                     <a:lumMod val="75000"/>
                   </a:schemeClr>
                 </a:solidFill>
               </a:rPr>
-              <a:t>Internship with Wilson Security</a:t>
+              <a:t>Intenship</a:t>
+            </a:r>
+            <a:r>
+              <a:rPr lang="en-US" dirty="0">
+                <a:solidFill>
+                  <a:schemeClr val="accent5">
+                    <a:lumMod val="75000"/>
+                  </a:schemeClr>
+                </a:solidFill>
+              </a:rPr>
+              <a:t> with Wilson Security</a:t>
             </a:r>
             <a:br>
               <a:rPr lang="en-US" dirty="0">
